--- a/Base de données/Section 2 - Langage SQL/Partie 1 - Introduction à SQL/P1-Installation de SQL Server/Résultats/loubna anouja/SQL/résultat/SQL Server.pptx
+++ b/Base de données/Section 2 - Langage SQL/Partie 1 - Introduction à SQL/P1-Installation de SQL Server/Résultats/loubna anouja/SQL/résultat/SQL Server.pptx
@@ -9,6 +9,21 @@
     <p:sldId id="257" r:id="rId3"/>
     <p:sldId id="258" r:id="rId4"/>
     <p:sldId id="259" r:id="rId5"/>
+    <p:sldId id="260" r:id="rId6"/>
+    <p:sldId id="261" r:id="rId7"/>
+    <p:sldId id="262" r:id="rId8"/>
+    <p:sldId id="263" r:id="rId9"/>
+    <p:sldId id="264" r:id="rId10"/>
+    <p:sldId id="265" r:id="rId11"/>
+    <p:sldId id="266" r:id="rId12"/>
+    <p:sldId id="267" r:id="rId13"/>
+    <p:sldId id="268" r:id="rId14"/>
+    <p:sldId id="269" r:id="rId15"/>
+    <p:sldId id="270" r:id="rId16"/>
+    <p:sldId id="271" r:id="rId17"/>
+    <p:sldId id="272" r:id="rId18"/>
+    <p:sldId id="273" r:id="rId19"/>
+    <p:sldId id="274" r:id="rId20"/>
   </p:sldIdLst>
   <p:sldSz cx="9144000" cy="6858000" type="screen4x3"/>
   <p:notesSz cx="6858000" cy="9144000"/>
@@ -244,7 +259,7 @@
           <a:p>
             <a:fld id="{BC3DF318-BA5A-4E50-86E2-405E3B32434A}" type="datetimeFigureOut">
               <a:rPr lang="fr-FR" smtClean="0"/>
-              <a:t>23/09/2019</a:t>
+              <a:t>24/09/2019</a:t>
             </a:fld>
             <a:endParaRPr lang="fr-FR"/>
           </a:p>
@@ -557,7 +572,7 @@
           <a:p>
             <a:fld id="{BC3DF318-BA5A-4E50-86E2-405E3B32434A}" type="datetimeFigureOut">
               <a:rPr lang="fr-FR" smtClean="0"/>
-              <a:t>23/09/2019</a:t>
+              <a:t>24/09/2019</a:t>
             </a:fld>
             <a:endParaRPr lang="fr-FR"/>
           </a:p>
@@ -742,7 +757,7 @@
           <a:p>
             <a:fld id="{BC3DF318-BA5A-4E50-86E2-405E3B32434A}" type="datetimeFigureOut">
               <a:rPr lang="fr-FR" smtClean="0"/>
-              <a:t>23/09/2019</a:t>
+              <a:t>24/09/2019</a:t>
             </a:fld>
             <a:endParaRPr lang="fr-FR"/>
           </a:p>
@@ -917,7 +932,7 @@
           <a:p>
             <a:fld id="{BC3DF318-BA5A-4E50-86E2-405E3B32434A}" type="datetimeFigureOut">
               <a:rPr lang="fr-FR" smtClean="0"/>
-              <a:t>23/09/2019</a:t>
+              <a:t>24/09/2019</a:t>
             </a:fld>
             <a:endParaRPr lang="fr-FR"/>
           </a:p>
@@ -1185,7 +1200,7 @@
           <a:p>
             <a:fld id="{BC3DF318-BA5A-4E50-86E2-405E3B32434A}" type="datetimeFigureOut">
               <a:rPr lang="fr-FR" smtClean="0"/>
-              <a:t>23/09/2019</a:t>
+              <a:t>24/09/2019</a:t>
             </a:fld>
             <a:endParaRPr lang="fr-FR"/>
           </a:p>
@@ -1653,7 +1668,7 @@
           <a:p>
             <a:fld id="{BC3DF318-BA5A-4E50-86E2-405E3B32434A}" type="datetimeFigureOut">
               <a:rPr lang="fr-FR" smtClean="0"/>
-              <a:t>23/09/2019</a:t>
+              <a:t>24/09/2019</a:t>
             </a:fld>
             <a:endParaRPr lang="fr-FR"/>
           </a:p>
@@ -2142,7 +2157,7 @@
           <a:p>
             <a:fld id="{BC3DF318-BA5A-4E50-86E2-405E3B32434A}" type="datetimeFigureOut">
               <a:rPr lang="fr-FR" smtClean="0"/>
-              <a:t>23/09/2019</a:t>
+              <a:t>24/09/2019</a:t>
             </a:fld>
             <a:endParaRPr lang="fr-FR"/>
           </a:p>
@@ -2268,7 +2283,7 @@
           <a:p>
             <a:fld id="{BC3DF318-BA5A-4E50-86E2-405E3B32434A}" type="datetimeFigureOut">
               <a:rPr lang="fr-FR" smtClean="0"/>
-              <a:t>23/09/2019</a:t>
+              <a:t>24/09/2019</a:t>
             </a:fld>
             <a:endParaRPr lang="fr-FR"/>
           </a:p>
@@ -2412,7 +2427,7 @@
           <a:p>
             <a:fld id="{BC3DF318-BA5A-4E50-86E2-405E3B32434A}" type="datetimeFigureOut">
               <a:rPr lang="fr-FR" smtClean="0"/>
-              <a:t>23/09/2019</a:t>
+              <a:t>24/09/2019</a:t>
             </a:fld>
             <a:endParaRPr lang="fr-FR"/>
           </a:p>
@@ -2734,7 +2749,7 @@
           <a:p>
             <a:fld id="{BC3DF318-BA5A-4E50-86E2-405E3B32434A}" type="datetimeFigureOut">
               <a:rPr lang="fr-FR" smtClean="0"/>
-              <a:t>23/09/2019</a:t>
+              <a:t>24/09/2019</a:t>
             </a:fld>
             <a:endParaRPr lang="fr-FR"/>
           </a:p>
@@ -2868,7 +2883,7 @@
           <a:p>
             <a:fld id="{BC3DF318-BA5A-4E50-86E2-405E3B32434A}" type="datetimeFigureOut">
               <a:rPr lang="fr-FR" smtClean="0"/>
-              <a:t>23/09/2019</a:t>
+              <a:t>24/09/2019</a:t>
             </a:fld>
             <a:endParaRPr lang="fr-FR"/>
           </a:p>
@@ -3649,7 +3664,7 @@
           <a:p>
             <a:fld id="{BC3DF318-BA5A-4E50-86E2-405E3B32434A}" type="datetimeFigureOut">
               <a:rPr lang="fr-FR" smtClean="0"/>
-              <a:t>23/09/2019</a:t>
+              <a:t>24/09/2019</a:t>
             </a:fld>
             <a:endParaRPr lang="fr-FR"/>
           </a:p>
@@ -4268,6 +4283,826 @@
 </p:sld>
 </file>
 
+<file path=ppt/slides/slide10.xml><?xml version="1.0" encoding="utf-8"?>
+<p:sld xmlns:a="http://schemas.openxmlformats.org/drawingml/2006/main" xmlns:r="http://schemas.openxmlformats.org/officeDocument/2006/relationships" xmlns:p="http://schemas.openxmlformats.org/presentationml/2006/main">
+  <p:cSld>
+    <p:spTree>
+      <p:nvGrpSpPr>
+        <p:cNvPr id="1" name=""/>
+        <p:cNvGrpSpPr/>
+        <p:nvPr/>
+      </p:nvGrpSpPr>
+      <p:grpSpPr>
+        <a:xfrm>
+          <a:off x="0" y="0"/>
+          <a:ext cx="0" cy="0"/>
+          <a:chOff x="0" y="0"/>
+          <a:chExt cx="0" cy="0"/>
+        </a:xfrm>
+      </p:grpSpPr>
+      <p:sp>
+        <p:nvSpPr>
+          <p:cNvPr id="2" name="Titre 1"/>
+          <p:cNvSpPr>
+            <a:spLocks noGrp="1"/>
+          </p:cNvSpPr>
+          <p:nvPr>
+            <p:ph type="title"/>
+          </p:nvPr>
+        </p:nvSpPr>
+        <p:spPr/>
+        <p:txBody>
+          <a:bodyPr/>
+          <a:lstStyle/>
+          <a:p>
+            <a:r>
+              <a:rPr lang="fr-FR" dirty="0" smtClean="0"/>
+              <a:t>7-</a:t>
+            </a:r>
+            <a:endParaRPr lang="fr-FR" dirty="0"/>
+          </a:p>
+        </p:txBody>
+      </p:sp>
+      <p:pic>
+        <p:nvPicPr>
+          <p:cNvPr id="4" name="Espace réservé du contenu 3"/>
+          <p:cNvPicPr>
+            <a:picLocks noGrp="1" noChangeAspect="1"/>
+          </p:cNvPicPr>
+          <p:nvPr>
+            <p:ph idx="1"/>
+          </p:nvPr>
+        </p:nvPicPr>
+        <p:blipFill>
+          <a:blip r:embed="rId2">
+            <a:extLst>
+              <a:ext uri="{28A0092B-C50C-407E-A947-70E740481C1C}">
+                <a14:useLocalDpi xmlns:a14="http://schemas.microsoft.com/office/drawing/2010/main" val="0"/>
+              </a:ext>
+            </a:extLst>
+          </a:blip>
+          <a:stretch>
+            <a:fillRect/>
+          </a:stretch>
+        </p:blipFill>
+        <p:spPr>
+          <a:xfrm>
+            <a:off x="1978750" y="1447800"/>
+            <a:ext cx="6412049" cy="4800600"/>
+          </a:xfrm>
+        </p:spPr>
+      </p:pic>
+    </p:spTree>
+    <p:extLst>
+      <p:ext uri="{BB962C8B-B14F-4D97-AF65-F5344CB8AC3E}">
+        <p14:creationId xmlns:p14="http://schemas.microsoft.com/office/powerpoint/2010/main" val="555982141"/>
+      </p:ext>
+    </p:extLst>
+  </p:cSld>
+  <p:clrMapOvr>
+    <a:masterClrMapping/>
+  </p:clrMapOvr>
+</p:sld>
+</file>
+
+<file path=ppt/slides/slide11.xml><?xml version="1.0" encoding="utf-8"?>
+<p:sld xmlns:a="http://schemas.openxmlformats.org/drawingml/2006/main" xmlns:r="http://schemas.openxmlformats.org/officeDocument/2006/relationships" xmlns:p="http://schemas.openxmlformats.org/presentationml/2006/main">
+  <p:cSld>
+    <p:spTree>
+      <p:nvGrpSpPr>
+        <p:cNvPr id="1" name=""/>
+        <p:cNvGrpSpPr/>
+        <p:nvPr/>
+      </p:nvGrpSpPr>
+      <p:grpSpPr>
+        <a:xfrm>
+          <a:off x="0" y="0"/>
+          <a:ext cx="0" cy="0"/>
+          <a:chOff x="0" y="0"/>
+          <a:chExt cx="0" cy="0"/>
+        </a:xfrm>
+      </p:grpSpPr>
+      <p:sp>
+        <p:nvSpPr>
+          <p:cNvPr id="2" name="Titre 1"/>
+          <p:cNvSpPr>
+            <a:spLocks noGrp="1"/>
+          </p:cNvSpPr>
+          <p:nvPr>
+            <p:ph type="title"/>
+          </p:nvPr>
+        </p:nvSpPr>
+        <p:spPr/>
+        <p:txBody>
+          <a:bodyPr/>
+          <a:lstStyle/>
+          <a:p>
+            <a:r>
+              <a:rPr lang="fr-FR" dirty="0" smtClean="0"/>
+              <a:t>8-</a:t>
+            </a:r>
+            <a:endParaRPr lang="fr-FR" dirty="0"/>
+          </a:p>
+        </p:txBody>
+      </p:sp>
+      <p:pic>
+        <p:nvPicPr>
+          <p:cNvPr id="4" name="Espace réservé du contenu 3"/>
+          <p:cNvPicPr>
+            <a:picLocks noGrp="1" noChangeAspect="1"/>
+          </p:cNvPicPr>
+          <p:nvPr>
+            <p:ph idx="1"/>
+          </p:nvPr>
+        </p:nvPicPr>
+        <p:blipFill>
+          <a:blip r:embed="rId2">
+            <a:extLst>
+              <a:ext uri="{28A0092B-C50C-407E-A947-70E740481C1C}">
+                <a14:useLocalDpi xmlns:a14="http://schemas.microsoft.com/office/drawing/2010/main" val="0"/>
+              </a:ext>
+            </a:extLst>
+          </a:blip>
+          <a:stretch>
+            <a:fillRect/>
+          </a:stretch>
+        </p:blipFill>
+        <p:spPr>
+          <a:xfrm>
+            <a:off x="1941013" y="1447800"/>
+            <a:ext cx="6487524" cy="4800600"/>
+          </a:xfrm>
+        </p:spPr>
+      </p:pic>
+    </p:spTree>
+    <p:extLst>
+      <p:ext uri="{BB962C8B-B14F-4D97-AF65-F5344CB8AC3E}">
+        <p14:creationId xmlns:p14="http://schemas.microsoft.com/office/powerpoint/2010/main" val="881243845"/>
+      </p:ext>
+    </p:extLst>
+  </p:cSld>
+  <p:clrMapOvr>
+    <a:masterClrMapping/>
+  </p:clrMapOvr>
+</p:sld>
+</file>
+
+<file path=ppt/slides/slide12.xml><?xml version="1.0" encoding="utf-8"?>
+<p:sld xmlns:a="http://schemas.openxmlformats.org/drawingml/2006/main" xmlns:r="http://schemas.openxmlformats.org/officeDocument/2006/relationships" xmlns:p="http://schemas.openxmlformats.org/presentationml/2006/main">
+  <p:cSld>
+    <p:spTree>
+      <p:nvGrpSpPr>
+        <p:cNvPr id="1" name=""/>
+        <p:cNvGrpSpPr/>
+        <p:nvPr/>
+      </p:nvGrpSpPr>
+      <p:grpSpPr>
+        <a:xfrm>
+          <a:off x="0" y="0"/>
+          <a:ext cx="0" cy="0"/>
+          <a:chOff x="0" y="0"/>
+          <a:chExt cx="0" cy="0"/>
+        </a:xfrm>
+      </p:grpSpPr>
+      <p:sp>
+        <p:nvSpPr>
+          <p:cNvPr id="2" name="Titre 1"/>
+          <p:cNvSpPr>
+            <a:spLocks noGrp="1"/>
+          </p:cNvSpPr>
+          <p:nvPr>
+            <p:ph type="title"/>
+          </p:nvPr>
+        </p:nvSpPr>
+        <p:spPr/>
+        <p:txBody>
+          <a:bodyPr/>
+          <a:lstStyle/>
+          <a:p>
+            <a:r>
+              <a:rPr lang="fr-FR" dirty="0" smtClean="0"/>
+              <a:t>9-</a:t>
+            </a:r>
+            <a:endParaRPr lang="fr-FR" dirty="0"/>
+          </a:p>
+        </p:txBody>
+      </p:sp>
+      <p:pic>
+        <p:nvPicPr>
+          <p:cNvPr id="4" name="Espace réservé du contenu 3"/>
+          <p:cNvPicPr>
+            <a:picLocks noGrp="1" noChangeAspect="1"/>
+          </p:cNvPicPr>
+          <p:nvPr>
+            <p:ph idx="1"/>
+          </p:nvPr>
+        </p:nvPicPr>
+        <p:blipFill>
+          <a:blip r:embed="rId2">
+            <a:extLst>
+              <a:ext uri="{28A0092B-C50C-407E-A947-70E740481C1C}">
+                <a14:useLocalDpi xmlns:a14="http://schemas.microsoft.com/office/drawing/2010/main" val="0"/>
+              </a:ext>
+            </a:extLst>
+          </a:blip>
+          <a:stretch>
+            <a:fillRect/>
+          </a:stretch>
+        </p:blipFill>
+        <p:spPr>
+          <a:xfrm>
+            <a:off x="1975997" y="1447800"/>
+            <a:ext cx="6417555" cy="4800600"/>
+          </a:xfrm>
+        </p:spPr>
+      </p:pic>
+    </p:spTree>
+    <p:extLst>
+      <p:ext uri="{BB962C8B-B14F-4D97-AF65-F5344CB8AC3E}">
+        <p14:creationId xmlns:p14="http://schemas.microsoft.com/office/powerpoint/2010/main" val="484382654"/>
+      </p:ext>
+    </p:extLst>
+  </p:cSld>
+  <p:clrMapOvr>
+    <a:masterClrMapping/>
+  </p:clrMapOvr>
+</p:sld>
+</file>
+
+<file path=ppt/slides/slide13.xml><?xml version="1.0" encoding="utf-8"?>
+<p:sld xmlns:a="http://schemas.openxmlformats.org/drawingml/2006/main" xmlns:r="http://schemas.openxmlformats.org/officeDocument/2006/relationships" xmlns:p="http://schemas.openxmlformats.org/presentationml/2006/main">
+  <p:cSld>
+    <p:spTree>
+      <p:nvGrpSpPr>
+        <p:cNvPr id="1" name=""/>
+        <p:cNvGrpSpPr/>
+        <p:nvPr/>
+      </p:nvGrpSpPr>
+      <p:grpSpPr>
+        <a:xfrm>
+          <a:off x="0" y="0"/>
+          <a:ext cx="0" cy="0"/>
+          <a:chOff x="0" y="0"/>
+          <a:chExt cx="0" cy="0"/>
+        </a:xfrm>
+      </p:grpSpPr>
+      <p:sp>
+        <p:nvSpPr>
+          <p:cNvPr id="2" name="Titre 1"/>
+          <p:cNvSpPr>
+            <a:spLocks noGrp="1"/>
+          </p:cNvSpPr>
+          <p:nvPr>
+            <p:ph type="title"/>
+          </p:nvPr>
+        </p:nvSpPr>
+        <p:spPr/>
+        <p:txBody>
+          <a:bodyPr/>
+          <a:lstStyle/>
+          <a:p>
+            <a:r>
+              <a:rPr lang="fr-FR" dirty="0" smtClean="0"/>
+              <a:t>10-</a:t>
+            </a:r>
+            <a:endParaRPr lang="fr-FR" dirty="0"/>
+          </a:p>
+        </p:txBody>
+      </p:sp>
+      <p:pic>
+        <p:nvPicPr>
+          <p:cNvPr id="4" name="Espace réservé du contenu 3"/>
+          <p:cNvPicPr>
+            <a:picLocks noGrp="1" noChangeAspect="1"/>
+          </p:cNvPicPr>
+          <p:nvPr>
+            <p:ph idx="1"/>
+          </p:nvPr>
+        </p:nvPicPr>
+        <p:blipFill>
+          <a:blip r:embed="rId2">
+            <a:extLst>
+              <a:ext uri="{28A0092B-C50C-407E-A947-70E740481C1C}">
+                <a14:useLocalDpi xmlns:a14="http://schemas.microsoft.com/office/drawing/2010/main" val="0"/>
+              </a:ext>
+            </a:extLst>
+          </a:blip>
+          <a:stretch>
+            <a:fillRect/>
+          </a:stretch>
+        </p:blipFill>
+        <p:spPr>
+          <a:xfrm>
+            <a:off x="1965395" y="1447800"/>
+            <a:ext cx="6438760" cy="4800600"/>
+          </a:xfrm>
+        </p:spPr>
+      </p:pic>
+    </p:spTree>
+    <p:extLst>
+      <p:ext uri="{BB962C8B-B14F-4D97-AF65-F5344CB8AC3E}">
+        <p14:creationId xmlns:p14="http://schemas.microsoft.com/office/powerpoint/2010/main" val="121811686"/>
+      </p:ext>
+    </p:extLst>
+  </p:cSld>
+  <p:clrMapOvr>
+    <a:masterClrMapping/>
+  </p:clrMapOvr>
+</p:sld>
+</file>
+
+<file path=ppt/slides/slide14.xml><?xml version="1.0" encoding="utf-8"?>
+<p:sld xmlns:a="http://schemas.openxmlformats.org/drawingml/2006/main" xmlns:r="http://schemas.openxmlformats.org/officeDocument/2006/relationships" xmlns:p="http://schemas.openxmlformats.org/presentationml/2006/main">
+  <p:cSld>
+    <p:spTree>
+      <p:nvGrpSpPr>
+        <p:cNvPr id="1" name=""/>
+        <p:cNvGrpSpPr/>
+        <p:nvPr/>
+      </p:nvGrpSpPr>
+      <p:grpSpPr>
+        <a:xfrm>
+          <a:off x="0" y="0"/>
+          <a:ext cx="0" cy="0"/>
+          <a:chOff x="0" y="0"/>
+          <a:chExt cx="0" cy="0"/>
+        </a:xfrm>
+      </p:grpSpPr>
+      <p:sp>
+        <p:nvSpPr>
+          <p:cNvPr id="2" name="Titre 1"/>
+          <p:cNvSpPr>
+            <a:spLocks noGrp="1"/>
+          </p:cNvSpPr>
+          <p:nvPr>
+            <p:ph type="title"/>
+          </p:nvPr>
+        </p:nvSpPr>
+        <p:spPr/>
+        <p:txBody>
+          <a:bodyPr/>
+          <a:lstStyle/>
+          <a:p>
+            <a:r>
+              <a:rPr lang="fr-FR" dirty="0" smtClean="0"/>
+              <a:t>11-</a:t>
+            </a:r>
+            <a:endParaRPr lang="fr-FR" dirty="0"/>
+          </a:p>
+        </p:txBody>
+      </p:sp>
+      <p:pic>
+        <p:nvPicPr>
+          <p:cNvPr id="4" name="Espace réservé du contenu 3"/>
+          <p:cNvPicPr>
+            <a:picLocks noGrp="1" noChangeAspect="1"/>
+          </p:cNvPicPr>
+          <p:nvPr>
+            <p:ph idx="1"/>
+          </p:nvPr>
+        </p:nvPicPr>
+        <p:blipFill>
+          <a:blip r:embed="rId2">
+            <a:extLst>
+              <a:ext uri="{28A0092B-C50C-407E-A947-70E740481C1C}">
+                <a14:useLocalDpi xmlns:a14="http://schemas.microsoft.com/office/drawing/2010/main" val="0"/>
+              </a:ext>
+            </a:extLst>
+          </a:blip>
+          <a:stretch>
+            <a:fillRect/>
+          </a:stretch>
+        </p:blipFill>
+        <p:spPr>
+          <a:xfrm>
+            <a:off x="1947470" y="1447800"/>
+            <a:ext cx="6474609" cy="4800600"/>
+          </a:xfrm>
+        </p:spPr>
+      </p:pic>
+    </p:spTree>
+    <p:extLst>
+      <p:ext uri="{BB962C8B-B14F-4D97-AF65-F5344CB8AC3E}">
+        <p14:creationId xmlns:p14="http://schemas.microsoft.com/office/powerpoint/2010/main" val="2045237432"/>
+      </p:ext>
+    </p:extLst>
+  </p:cSld>
+  <p:clrMapOvr>
+    <a:masterClrMapping/>
+  </p:clrMapOvr>
+</p:sld>
+</file>
+
+<file path=ppt/slides/slide15.xml><?xml version="1.0" encoding="utf-8"?>
+<p:sld xmlns:a="http://schemas.openxmlformats.org/drawingml/2006/main" xmlns:r="http://schemas.openxmlformats.org/officeDocument/2006/relationships" xmlns:p="http://schemas.openxmlformats.org/presentationml/2006/main">
+  <p:cSld>
+    <p:spTree>
+      <p:nvGrpSpPr>
+        <p:cNvPr id="1" name=""/>
+        <p:cNvGrpSpPr/>
+        <p:nvPr/>
+      </p:nvGrpSpPr>
+      <p:grpSpPr>
+        <a:xfrm>
+          <a:off x="0" y="0"/>
+          <a:ext cx="0" cy="0"/>
+          <a:chOff x="0" y="0"/>
+          <a:chExt cx="0" cy="0"/>
+        </a:xfrm>
+      </p:grpSpPr>
+      <p:sp>
+        <p:nvSpPr>
+          <p:cNvPr id="2" name="Titre 1"/>
+          <p:cNvSpPr>
+            <a:spLocks noGrp="1"/>
+          </p:cNvSpPr>
+          <p:nvPr>
+            <p:ph type="title"/>
+          </p:nvPr>
+        </p:nvSpPr>
+        <p:spPr/>
+        <p:txBody>
+          <a:bodyPr/>
+          <a:lstStyle/>
+          <a:p>
+            <a:r>
+              <a:rPr lang="fr-FR" dirty="0" smtClean="0"/>
+              <a:t>12-</a:t>
+            </a:r>
+            <a:endParaRPr lang="fr-FR" dirty="0"/>
+          </a:p>
+        </p:txBody>
+      </p:sp>
+      <p:pic>
+        <p:nvPicPr>
+          <p:cNvPr id="4" name="Espace réservé du contenu 3"/>
+          <p:cNvPicPr>
+            <a:picLocks noGrp="1" noChangeAspect="1"/>
+          </p:cNvPicPr>
+          <p:nvPr>
+            <p:ph idx="1"/>
+          </p:nvPr>
+        </p:nvPicPr>
+        <p:blipFill>
+          <a:blip r:embed="rId2">
+            <a:extLst>
+              <a:ext uri="{28A0092B-C50C-407E-A947-70E740481C1C}">
+                <a14:useLocalDpi xmlns:a14="http://schemas.microsoft.com/office/drawing/2010/main" val="0"/>
+              </a:ext>
+            </a:extLst>
+          </a:blip>
+          <a:stretch>
+            <a:fillRect/>
+          </a:stretch>
+        </p:blipFill>
+        <p:spPr>
+          <a:xfrm>
+            <a:off x="1978535" y="1447800"/>
+            <a:ext cx="6412479" cy="4800600"/>
+          </a:xfrm>
+        </p:spPr>
+      </p:pic>
+    </p:spTree>
+    <p:extLst>
+      <p:ext uri="{BB962C8B-B14F-4D97-AF65-F5344CB8AC3E}">
+        <p14:creationId xmlns:p14="http://schemas.microsoft.com/office/powerpoint/2010/main" val="3031313362"/>
+      </p:ext>
+    </p:extLst>
+  </p:cSld>
+  <p:clrMapOvr>
+    <a:masterClrMapping/>
+  </p:clrMapOvr>
+</p:sld>
+</file>
+
+<file path=ppt/slides/slide16.xml><?xml version="1.0" encoding="utf-8"?>
+<p:sld xmlns:a="http://schemas.openxmlformats.org/drawingml/2006/main" xmlns:r="http://schemas.openxmlformats.org/officeDocument/2006/relationships" xmlns:p="http://schemas.openxmlformats.org/presentationml/2006/main">
+  <p:cSld>
+    <p:spTree>
+      <p:nvGrpSpPr>
+        <p:cNvPr id="1" name=""/>
+        <p:cNvGrpSpPr/>
+        <p:nvPr/>
+      </p:nvGrpSpPr>
+      <p:grpSpPr>
+        <a:xfrm>
+          <a:off x="0" y="0"/>
+          <a:ext cx="0" cy="0"/>
+          <a:chOff x="0" y="0"/>
+          <a:chExt cx="0" cy="0"/>
+        </a:xfrm>
+      </p:grpSpPr>
+      <p:sp>
+        <p:nvSpPr>
+          <p:cNvPr id="2" name="Titre 1"/>
+          <p:cNvSpPr>
+            <a:spLocks noGrp="1"/>
+          </p:cNvSpPr>
+          <p:nvPr>
+            <p:ph type="title"/>
+          </p:nvPr>
+        </p:nvSpPr>
+        <p:spPr/>
+        <p:txBody>
+          <a:bodyPr/>
+          <a:lstStyle/>
+          <a:p>
+            <a:r>
+              <a:rPr lang="fr-FR" dirty="0" smtClean="0"/>
+              <a:t>13-</a:t>
+            </a:r>
+            <a:endParaRPr lang="fr-FR" dirty="0"/>
+          </a:p>
+        </p:txBody>
+      </p:sp>
+      <p:pic>
+        <p:nvPicPr>
+          <p:cNvPr id="4" name="Espace réservé du contenu 3"/>
+          <p:cNvPicPr>
+            <a:picLocks noGrp="1" noChangeAspect="1"/>
+          </p:cNvPicPr>
+          <p:nvPr>
+            <p:ph idx="1"/>
+          </p:nvPr>
+        </p:nvPicPr>
+        <p:blipFill>
+          <a:blip r:embed="rId2">
+            <a:extLst>
+              <a:ext uri="{28A0092B-C50C-407E-A947-70E740481C1C}">
+                <a14:useLocalDpi xmlns:a14="http://schemas.microsoft.com/office/drawing/2010/main" val="0"/>
+              </a:ext>
+            </a:extLst>
+          </a:blip>
+          <a:stretch>
+            <a:fillRect/>
+          </a:stretch>
+        </p:blipFill>
+        <p:spPr>
+          <a:xfrm>
+            <a:off x="2060099" y="1447800"/>
+            <a:ext cx="6249352" cy="4800600"/>
+          </a:xfrm>
+        </p:spPr>
+      </p:pic>
+    </p:spTree>
+    <p:extLst>
+      <p:ext uri="{BB962C8B-B14F-4D97-AF65-F5344CB8AC3E}">
+        <p14:creationId xmlns:p14="http://schemas.microsoft.com/office/powerpoint/2010/main" val="1086410177"/>
+      </p:ext>
+    </p:extLst>
+  </p:cSld>
+  <p:clrMapOvr>
+    <a:masterClrMapping/>
+  </p:clrMapOvr>
+</p:sld>
+</file>
+
+<file path=ppt/slides/slide17.xml><?xml version="1.0" encoding="utf-8"?>
+<p:sld xmlns:a="http://schemas.openxmlformats.org/drawingml/2006/main" xmlns:r="http://schemas.openxmlformats.org/officeDocument/2006/relationships" xmlns:p="http://schemas.openxmlformats.org/presentationml/2006/main">
+  <p:cSld>
+    <p:spTree>
+      <p:nvGrpSpPr>
+        <p:cNvPr id="1" name=""/>
+        <p:cNvGrpSpPr/>
+        <p:nvPr/>
+      </p:nvGrpSpPr>
+      <p:grpSpPr>
+        <a:xfrm>
+          <a:off x="0" y="0"/>
+          <a:ext cx="0" cy="0"/>
+          <a:chOff x="0" y="0"/>
+          <a:chExt cx="0" cy="0"/>
+        </a:xfrm>
+      </p:grpSpPr>
+      <p:sp>
+        <p:nvSpPr>
+          <p:cNvPr id="2" name="Titre 1"/>
+          <p:cNvSpPr>
+            <a:spLocks noGrp="1"/>
+          </p:cNvSpPr>
+          <p:nvPr>
+            <p:ph type="title"/>
+          </p:nvPr>
+        </p:nvSpPr>
+        <p:spPr/>
+        <p:txBody>
+          <a:bodyPr/>
+          <a:lstStyle/>
+          <a:p>
+            <a:r>
+              <a:rPr lang="fr-FR" dirty="0" smtClean="0"/>
+              <a:t>14-</a:t>
+            </a:r>
+            <a:endParaRPr lang="fr-FR" dirty="0"/>
+          </a:p>
+        </p:txBody>
+      </p:sp>
+      <p:pic>
+        <p:nvPicPr>
+          <p:cNvPr id="4" name="Espace réservé du contenu 3"/>
+          <p:cNvPicPr>
+            <a:picLocks noGrp="1" noChangeAspect="1"/>
+          </p:cNvPicPr>
+          <p:nvPr>
+            <p:ph idx="1"/>
+          </p:nvPr>
+        </p:nvPicPr>
+        <p:blipFill>
+          <a:blip r:embed="rId2">
+            <a:extLst>
+              <a:ext uri="{28A0092B-C50C-407E-A947-70E740481C1C}">
+                <a14:useLocalDpi xmlns:a14="http://schemas.microsoft.com/office/drawing/2010/main" val="0"/>
+              </a:ext>
+            </a:extLst>
+          </a:blip>
+          <a:stretch>
+            <a:fillRect/>
+          </a:stretch>
+        </p:blipFill>
+        <p:spPr>
+          <a:xfrm>
+            <a:off x="1994558" y="1447800"/>
+            <a:ext cx="6380434" cy="4800600"/>
+          </a:xfrm>
+        </p:spPr>
+      </p:pic>
+    </p:spTree>
+    <p:extLst>
+      <p:ext uri="{BB962C8B-B14F-4D97-AF65-F5344CB8AC3E}">
+        <p14:creationId xmlns:p14="http://schemas.microsoft.com/office/powerpoint/2010/main" val="3041860312"/>
+      </p:ext>
+    </p:extLst>
+  </p:cSld>
+  <p:clrMapOvr>
+    <a:masterClrMapping/>
+  </p:clrMapOvr>
+</p:sld>
+</file>
+
+<file path=ppt/slides/slide18.xml><?xml version="1.0" encoding="utf-8"?>
+<p:sld xmlns:a="http://schemas.openxmlformats.org/drawingml/2006/main" xmlns:r="http://schemas.openxmlformats.org/officeDocument/2006/relationships" xmlns:p="http://schemas.openxmlformats.org/presentationml/2006/main">
+  <p:cSld>
+    <p:spTree>
+      <p:nvGrpSpPr>
+        <p:cNvPr id="1" name=""/>
+        <p:cNvGrpSpPr/>
+        <p:nvPr/>
+      </p:nvGrpSpPr>
+      <p:grpSpPr>
+        <a:xfrm>
+          <a:off x="0" y="0"/>
+          <a:ext cx="0" cy="0"/>
+          <a:chOff x="0" y="0"/>
+          <a:chExt cx="0" cy="0"/>
+        </a:xfrm>
+      </p:grpSpPr>
+      <p:sp>
+        <p:nvSpPr>
+          <p:cNvPr id="2" name="Titre 1"/>
+          <p:cNvSpPr>
+            <a:spLocks noGrp="1"/>
+          </p:cNvSpPr>
+          <p:nvPr>
+            <p:ph type="title"/>
+          </p:nvPr>
+        </p:nvSpPr>
+        <p:spPr/>
+        <p:txBody>
+          <a:bodyPr/>
+          <a:lstStyle/>
+          <a:p>
+            <a:r>
+              <a:rPr lang="fr-FR" dirty="0" smtClean="0"/>
+              <a:t>15-</a:t>
+            </a:r>
+            <a:endParaRPr lang="fr-FR" dirty="0"/>
+          </a:p>
+        </p:txBody>
+      </p:sp>
+      <p:pic>
+        <p:nvPicPr>
+          <p:cNvPr id="4" name="Espace réservé du contenu 3"/>
+          <p:cNvPicPr>
+            <a:picLocks noGrp="1" noChangeAspect="1"/>
+          </p:cNvPicPr>
+          <p:nvPr>
+            <p:ph idx="1"/>
+          </p:nvPr>
+        </p:nvPicPr>
+        <p:blipFill>
+          <a:blip r:embed="rId2">
+            <a:extLst>
+              <a:ext uri="{28A0092B-C50C-407E-A947-70E740481C1C}">
+                <a14:useLocalDpi xmlns:a14="http://schemas.microsoft.com/office/drawing/2010/main" val="0"/>
+              </a:ext>
+            </a:extLst>
+          </a:blip>
+          <a:stretch>
+            <a:fillRect/>
+          </a:stretch>
+        </p:blipFill>
+        <p:spPr>
+          <a:xfrm>
+            <a:off x="1977021" y="1447800"/>
+            <a:ext cx="6415508" cy="4800600"/>
+          </a:xfrm>
+        </p:spPr>
+      </p:pic>
+    </p:spTree>
+    <p:extLst>
+      <p:ext uri="{BB962C8B-B14F-4D97-AF65-F5344CB8AC3E}">
+        <p14:creationId xmlns:p14="http://schemas.microsoft.com/office/powerpoint/2010/main" val="992413984"/>
+      </p:ext>
+    </p:extLst>
+  </p:cSld>
+  <p:clrMapOvr>
+    <a:masterClrMapping/>
+  </p:clrMapOvr>
+</p:sld>
+</file>
+
+<file path=ppt/slides/slide19.xml><?xml version="1.0" encoding="utf-8"?>
+<p:sld xmlns:a="http://schemas.openxmlformats.org/drawingml/2006/main" xmlns:r="http://schemas.openxmlformats.org/officeDocument/2006/relationships" xmlns:p="http://schemas.openxmlformats.org/presentationml/2006/main">
+  <p:cSld>
+    <p:spTree>
+      <p:nvGrpSpPr>
+        <p:cNvPr id="1" name=""/>
+        <p:cNvGrpSpPr/>
+        <p:nvPr/>
+      </p:nvGrpSpPr>
+      <p:grpSpPr>
+        <a:xfrm>
+          <a:off x="0" y="0"/>
+          <a:ext cx="0" cy="0"/>
+          <a:chOff x="0" y="0"/>
+          <a:chExt cx="0" cy="0"/>
+        </a:xfrm>
+      </p:grpSpPr>
+      <p:sp>
+        <p:nvSpPr>
+          <p:cNvPr id="2" name="Titre 1"/>
+          <p:cNvSpPr>
+            <a:spLocks noGrp="1"/>
+          </p:cNvSpPr>
+          <p:nvPr>
+            <p:ph type="title"/>
+          </p:nvPr>
+        </p:nvSpPr>
+        <p:spPr/>
+        <p:txBody>
+          <a:bodyPr/>
+          <a:lstStyle/>
+          <a:p>
+            <a:r>
+              <a:rPr lang="fr-FR" dirty="0" smtClean="0"/>
+              <a:t>16-</a:t>
+            </a:r>
+            <a:endParaRPr lang="fr-FR" dirty="0"/>
+          </a:p>
+        </p:txBody>
+      </p:sp>
+      <p:pic>
+        <p:nvPicPr>
+          <p:cNvPr id="4" name="Espace réservé du contenu 3"/>
+          <p:cNvPicPr>
+            <a:picLocks noGrp="1" noChangeAspect="1"/>
+          </p:cNvPicPr>
+          <p:nvPr>
+            <p:ph idx="1"/>
+          </p:nvPr>
+        </p:nvPicPr>
+        <p:blipFill>
+          <a:blip r:embed="rId2">
+            <a:extLst>
+              <a:ext uri="{28A0092B-C50C-407E-A947-70E740481C1C}">
+                <a14:useLocalDpi xmlns:a14="http://schemas.microsoft.com/office/drawing/2010/main" val="0"/>
+              </a:ext>
+            </a:extLst>
+          </a:blip>
+          <a:stretch>
+            <a:fillRect/>
+          </a:stretch>
+        </p:blipFill>
+        <p:spPr>
+          <a:xfrm>
+            <a:off x="1707665" y="1461754"/>
+            <a:ext cx="6954220" cy="4772691"/>
+          </a:xfrm>
+        </p:spPr>
+      </p:pic>
+    </p:spTree>
+    <p:extLst>
+      <p:ext uri="{BB962C8B-B14F-4D97-AF65-F5344CB8AC3E}">
+        <p14:creationId xmlns:p14="http://schemas.microsoft.com/office/powerpoint/2010/main" val="606915250"/>
+      </p:ext>
+    </p:extLst>
+  </p:cSld>
+  <p:clrMapOvr>
+    <a:masterClrMapping/>
+  </p:clrMapOvr>
+</p:sld>
+</file>
+
 <file path=ppt/slides/slide2.xml><?xml version="1.0" encoding="utf-8"?>
 <p:sld xmlns:a="http://schemas.openxmlformats.org/drawingml/2006/main" xmlns:r="http://schemas.openxmlformats.org/officeDocument/2006/relationships" xmlns:p="http://schemas.openxmlformats.org/presentationml/2006/main">
   <p:cSld>
@@ -4519,7 +5354,7 @@
       </p:sp>
       <p:pic>
         <p:nvPicPr>
-          <p:cNvPr id="4" name="Image 3"/>
+          <p:cNvPr id="5" name="Image 4"/>
           <p:cNvPicPr>
             <a:picLocks noChangeAspect="1"/>
           </p:cNvPicPr>
@@ -4539,8 +5374,8 @@
         </p:blipFill>
         <p:spPr>
           <a:xfrm>
-            <a:off x="436935" y="2348880"/>
-            <a:ext cx="8707065" cy="4305901"/>
+            <a:off x="0" y="1363703"/>
+            <a:ext cx="9144000" cy="4130593"/>
           </a:xfrm>
           <a:prstGeom prst="rect">
             <a:avLst/>
@@ -4551,6 +5386,416 @@
     <p:extLst>
       <p:ext uri="{BB962C8B-B14F-4D97-AF65-F5344CB8AC3E}">
         <p14:creationId xmlns:p14="http://schemas.microsoft.com/office/powerpoint/2010/main" val="4000486861"/>
+      </p:ext>
+    </p:extLst>
+  </p:cSld>
+  <p:clrMapOvr>
+    <a:masterClrMapping/>
+  </p:clrMapOvr>
+</p:sld>
+</file>
+
+<file path=ppt/slides/slide5.xml><?xml version="1.0" encoding="utf-8"?>
+<p:sld xmlns:a="http://schemas.openxmlformats.org/drawingml/2006/main" xmlns:r="http://schemas.openxmlformats.org/officeDocument/2006/relationships" xmlns:p="http://schemas.openxmlformats.org/presentationml/2006/main">
+  <p:cSld>
+    <p:spTree>
+      <p:nvGrpSpPr>
+        <p:cNvPr id="1" name=""/>
+        <p:cNvGrpSpPr/>
+        <p:nvPr/>
+      </p:nvGrpSpPr>
+      <p:grpSpPr>
+        <a:xfrm>
+          <a:off x="0" y="0"/>
+          <a:ext cx="0" cy="0"/>
+          <a:chOff x="0" y="0"/>
+          <a:chExt cx="0" cy="0"/>
+        </a:xfrm>
+      </p:grpSpPr>
+      <p:sp>
+        <p:nvSpPr>
+          <p:cNvPr id="2" name="Titre 1"/>
+          <p:cNvSpPr>
+            <a:spLocks noGrp="1"/>
+          </p:cNvSpPr>
+          <p:nvPr>
+            <p:ph type="title"/>
+          </p:nvPr>
+        </p:nvSpPr>
+        <p:spPr/>
+        <p:txBody>
+          <a:bodyPr/>
+          <a:lstStyle/>
+          <a:p>
+            <a:r>
+              <a:rPr lang="fr-FR" dirty="0" smtClean="0"/>
+              <a:t>2-</a:t>
+            </a:r>
+            <a:endParaRPr lang="fr-FR" dirty="0"/>
+          </a:p>
+        </p:txBody>
+      </p:sp>
+      <p:pic>
+        <p:nvPicPr>
+          <p:cNvPr id="4" name="Espace réservé du contenu 3"/>
+          <p:cNvPicPr>
+            <a:picLocks noGrp="1" noChangeAspect="1"/>
+          </p:cNvPicPr>
+          <p:nvPr>
+            <p:ph idx="1"/>
+          </p:nvPr>
+        </p:nvPicPr>
+        <p:blipFill>
+          <a:blip r:embed="rId2">
+            <a:extLst>
+              <a:ext uri="{28A0092B-C50C-407E-A947-70E740481C1C}">
+                <a14:useLocalDpi xmlns:a14="http://schemas.microsoft.com/office/drawing/2010/main" val="0"/>
+              </a:ext>
+            </a:extLst>
+          </a:blip>
+          <a:stretch>
+            <a:fillRect/>
+          </a:stretch>
+        </p:blipFill>
+        <p:spPr>
+          <a:xfrm>
+            <a:off x="1435100" y="2200956"/>
+            <a:ext cx="7499350" cy="3294288"/>
+          </a:xfrm>
+        </p:spPr>
+      </p:pic>
+    </p:spTree>
+    <p:extLst>
+      <p:ext uri="{BB962C8B-B14F-4D97-AF65-F5344CB8AC3E}">
+        <p14:creationId xmlns:p14="http://schemas.microsoft.com/office/powerpoint/2010/main" val="3202969128"/>
+      </p:ext>
+    </p:extLst>
+  </p:cSld>
+  <p:clrMapOvr>
+    <a:masterClrMapping/>
+  </p:clrMapOvr>
+</p:sld>
+</file>
+
+<file path=ppt/slides/slide6.xml><?xml version="1.0" encoding="utf-8"?>
+<p:sld xmlns:a="http://schemas.openxmlformats.org/drawingml/2006/main" xmlns:r="http://schemas.openxmlformats.org/officeDocument/2006/relationships" xmlns:p="http://schemas.openxmlformats.org/presentationml/2006/main">
+  <p:cSld>
+    <p:spTree>
+      <p:nvGrpSpPr>
+        <p:cNvPr id="1" name=""/>
+        <p:cNvGrpSpPr/>
+        <p:nvPr/>
+      </p:nvGrpSpPr>
+      <p:grpSpPr>
+        <a:xfrm>
+          <a:off x="0" y="0"/>
+          <a:ext cx="0" cy="0"/>
+          <a:chOff x="0" y="0"/>
+          <a:chExt cx="0" cy="0"/>
+        </a:xfrm>
+      </p:grpSpPr>
+      <p:sp>
+        <p:nvSpPr>
+          <p:cNvPr id="2" name="Titre 1"/>
+          <p:cNvSpPr>
+            <a:spLocks noGrp="1"/>
+          </p:cNvSpPr>
+          <p:nvPr>
+            <p:ph type="title"/>
+          </p:nvPr>
+        </p:nvSpPr>
+        <p:spPr/>
+        <p:txBody>
+          <a:bodyPr/>
+          <a:lstStyle/>
+          <a:p>
+            <a:r>
+              <a:rPr lang="fr-FR" dirty="0" smtClean="0"/>
+              <a:t>3-</a:t>
+            </a:r>
+            <a:endParaRPr lang="fr-FR" dirty="0"/>
+          </a:p>
+        </p:txBody>
+      </p:sp>
+      <p:pic>
+        <p:nvPicPr>
+          <p:cNvPr id="4" name="Espace réservé du contenu 3"/>
+          <p:cNvPicPr>
+            <a:picLocks noGrp="1" noChangeAspect="1"/>
+          </p:cNvPicPr>
+          <p:nvPr>
+            <p:ph idx="1"/>
+          </p:nvPr>
+        </p:nvPicPr>
+        <p:blipFill>
+          <a:blip r:embed="rId2">
+            <a:extLst>
+              <a:ext uri="{28A0092B-C50C-407E-A947-70E740481C1C}">
+                <a14:useLocalDpi xmlns:a14="http://schemas.microsoft.com/office/drawing/2010/main" val="0"/>
+              </a:ext>
+            </a:extLst>
+          </a:blip>
+          <a:stretch>
+            <a:fillRect/>
+          </a:stretch>
+        </p:blipFill>
+        <p:spPr>
+          <a:xfrm>
+            <a:off x="1779112" y="1661807"/>
+            <a:ext cx="6811326" cy="4372585"/>
+          </a:xfrm>
+        </p:spPr>
+      </p:pic>
+    </p:spTree>
+    <p:extLst>
+      <p:ext uri="{BB962C8B-B14F-4D97-AF65-F5344CB8AC3E}">
+        <p14:creationId xmlns:p14="http://schemas.microsoft.com/office/powerpoint/2010/main" val="1562077997"/>
+      </p:ext>
+    </p:extLst>
+  </p:cSld>
+  <p:clrMapOvr>
+    <a:masterClrMapping/>
+  </p:clrMapOvr>
+</p:sld>
+</file>
+
+<file path=ppt/slides/slide7.xml><?xml version="1.0" encoding="utf-8"?>
+<p:sld xmlns:a="http://schemas.openxmlformats.org/drawingml/2006/main" xmlns:r="http://schemas.openxmlformats.org/officeDocument/2006/relationships" xmlns:p="http://schemas.openxmlformats.org/presentationml/2006/main">
+  <p:cSld>
+    <p:spTree>
+      <p:nvGrpSpPr>
+        <p:cNvPr id="1" name=""/>
+        <p:cNvGrpSpPr/>
+        <p:nvPr/>
+      </p:nvGrpSpPr>
+      <p:grpSpPr>
+        <a:xfrm>
+          <a:off x="0" y="0"/>
+          <a:ext cx="0" cy="0"/>
+          <a:chOff x="0" y="0"/>
+          <a:chExt cx="0" cy="0"/>
+        </a:xfrm>
+      </p:grpSpPr>
+      <p:sp>
+        <p:nvSpPr>
+          <p:cNvPr id="2" name="Titre 1"/>
+          <p:cNvSpPr>
+            <a:spLocks noGrp="1"/>
+          </p:cNvSpPr>
+          <p:nvPr>
+            <p:ph type="title"/>
+          </p:nvPr>
+        </p:nvSpPr>
+        <p:spPr/>
+        <p:txBody>
+          <a:bodyPr/>
+          <a:lstStyle/>
+          <a:p>
+            <a:r>
+              <a:rPr lang="fr-FR" dirty="0" smtClean="0"/>
+              <a:t>4-</a:t>
+            </a:r>
+            <a:endParaRPr lang="fr-FR" dirty="0"/>
+          </a:p>
+        </p:txBody>
+      </p:sp>
+      <p:pic>
+        <p:nvPicPr>
+          <p:cNvPr id="4" name="Espace réservé du contenu 3"/>
+          <p:cNvPicPr>
+            <a:picLocks noGrp="1" noChangeAspect="1"/>
+          </p:cNvPicPr>
+          <p:nvPr>
+            <p:ph idx="1"/>
+          </p:nvPr>
+        </p:nvPicPr>
+        <p:blipFill>
+          <a:blip r:embed="rId2">
+            <a:extLst>
+              <a:ext uri="{28A0092B-C50C-407E-A947-70E740481C1C}">
+                <a14:useLocalDpi xmlns:a14="http://schemas.microsoft.com/office/drawing/2010/main" val="0"/>
+              </a:ext>
+            </a:extLst>
+          </a:blip>
+          <a:stretch>
+            <a:fillRect/>
+          </a:stretch>
+        </p:blipFill>
+        <p:spPr>
+          <a:xfrm>
+            <a:off x="1536191" y="1633228"/>
+            <a:ext cx="7297168" cy="4429743"/>
+          </a:xfrm>
+        </p:spPr>
+      </p:pic>
+    </p:spTree>
+    <p:extLst>
+      <p:ext uri="{BB962C8B-B14F-4D97-AF65-F5344CB8AC3E}">
+        <p14:creationId xmlns:p14="http://schemas.microsoft.com/office/powerpoint/2010/main" val="2651185003"/>
+      </p:ext>
+    </p:extLst>
+  </p:cSld>
+  <p:clrMapOvr>
+    <a:masterClrMapping/>
+  </p:clrMapOvr>
+</p:sld>
+</file>
+
+<file path=ppt/slides/slide8.xml><?xml version="1.0" encoding="utf-8"?>
+<p:sld xmlns:a="http://schemas.openxmlformats.org/drawingml/2006/main" xmlns:r="http://schemas.openxmlformats.org/officeDocument/2006/relationships" xmlns:p="http://schemas.openxmlformats.org/presentationml/2006/main">
+  <p:cSld>
+    <p:spTree>
+      <p:nvGrpSpPr>
+        <p:cNvPr id="1" name=""/>
+        <p:cNvGrpSpPr/>
+        <p:nvPr/>
+      </p:nvGrpSpPr>
+      <p:grpSpPr>
+        <a:xfrm>
+          <a:off x="0" y="0"/>
+          <a:ext cx="0" cy="0"/>
+          <a:chOff x="0" y="0"/>
+          <a:chExt cx="0" cy="0"/>
+        </a:xfrm>
+      </p:grpSpPr>
+      <p:sp>
+        <p:nvSpPr>
+          <p:cNvPr id="2" name="Titre 1"/>
+          <p:cNvSpPr>
+            <a:spLocks noGrp="1"/>
+          </p:cNvSpPr>
+          <p:nvPr>
+            <p:ph type="title"/>
+          </p:nvPr>
+        </p:nvSpPr>
+        <p:spPr/>
+        <p:txBody>
+          <a:bodyPr/>
+          <a:lstStyle/>
+          <a:p>
+            <a:r>
+              <a:rPr lang="fr-FR" dirty="0" smtClean="0"/>
+              <a:t>5-</a:t>
+            </a:r>
+            <a:endParaRPr lang="fr-FR" dirty="0"/>
+          </a:p>
+        </p:txBody>
+      </p:sp>
+      <p:pic>
+        <p:nvPicPr>
+          <p:cNvPr id="4" name="Espace réservé du contenu 3"/>
+          <p:cNvPicPr>
+            <a:picLocks noGrp="1" noChangeAspect="1"/>
+          </p:cNvPicPr>
+          <p:nvPr>
+            <p:ph idx="1"/>
+          </p:nvPr>
+        </p:nvPicPr>
+        <p:blipFill>
+          <a:blip r:embed="rId2">
+            <a:extLst>
+              <a:ext uri="{28A0092B-C50C-407E-A947-70E740481C1C}">
+                <a14:useLocalDpi xmlns:a14="http://schemas.microsoft.com/office/drawing/2010/main" val="0"/>
+              </a:ext>
+            </a:extLst>
+          </a:blip>
+          <a:stretch>
+            <a:fillRect/>
+          </a:stretch>
+        </p:blipFill>
+        <p:spPr>
+          <a:xfrm>
+            <a:off x="1964549" y="1447800"/>
+            <a:ext cx="6440451" cy="4800600"/>
+          </a:xfrm>
+        </p:spPr>
+      </p:pic>
+    </p:spTree>
+    <p:extLst>
+      <p:ext uri="{BB962C8B-B14F-4D97-AF65-F5344CB8AC3E}">
+        <p14:creationId xmlns:p14="http://schemas.microsoft.com/office/powerpoint/2010/main" val="2037108175"/>
+      </p:ext>
+    </p:extLst>
+  </p:cSld>
+  <p:clrMapOvr>
+    <a:masterClrMapping/>
+  </p:clrMapOvr>
+</p:sld>
+</file>
+
+<file path=ppt/slides/slide9.xml><?xml version="1.0" encoding="utf-8"?>
+<p:sld xmlns:a="http://schemas.openxmlformats.org/drawingml/2006/main" xmlns:r="http://schemas.openxmlformats.org/officeDocument/2006/relationships" xmlns:p="http://schemas.openxmlformats.org/presentationml/2006/main">
+  <p:cSld>
+    <p:spTree>
+      <p:nvGrpSpPr>
+        <p:cNvPr id="1" name=""/>
+        <p:cNvGrpSpPr/>
+        <p:nvPr/>
+      </p:nvGrpSpPr>
+      <p:grpSpPr>
+        <a:xfrm>
+          <a:off x="0" y="0"/>
+          <a:ext cx="0" cy="0"/>
+          <a:chOff x="0" y="0"/>
+          <a:chExt cx="0" cy="0"/>
+        </a:xfrm>
+      </p:grpSpPr>
+      <p:sp>
+        <p:nvSpPr>
+          <p:cNvPr id="2" name="Titre 1"/>
+          <p:cNvSpPr>
+            <a:spLocks noGrp="1"/>
+          </p:cNvSpPr>
+          <p:nvPr>
+            <p:ph type="title"/>
+          </p:nvPr>
+        </p:nvSpPr>
+        <p:spPr/>
+        <p:txBody>
+          <a:bodyPr/>
+          <a:lstStyle/>
+          <a:p>
+            <a:r>
+              <a:rPr lang="fr-FR" dirty="0" smtClean="0"/>
+              <a:t>6-</a:t>
+            </a:r>
+            <a:endParaRPr lang="fr-FR" dirty="0"/>
+          </a:p>
+        </p:txBody>
+      </p:sp>
+      <p:pic>
+        <p:nvPicPr>
+          <p:cNvPr id="4" name="Espace réservé du contenu 3"/>
+          <p:cNvPicPr>
+            <a:picLocks noGrp="1" noChangeAspect="1"/>
+          </p:cNvPicPr>
+          <p:nvPr>
+            <p:ph idx="1"/>
+          </p:nvPr>
+        </p:nvPicPr>
+        <p:blipFill>
+          <a:blip r:embed="rId2">
+            <a:extLst>
+              <a:ext uri="{28A0092B-C50C-407E-A947-70E740481C1C}">
+                <a14:useLocalDpi xmlns:a14="http://schemas.microsoft.com/office/drawing/2010/main" val="0"/>
+              </a:ext>
+            </a:extLst>
+          </a:blip>
+          <a:stretch>
+            <a:fillRect/>
+          </a:stretch>
+        </p:blipFill>
+        <p:spPr>
+          <a:xfrm>
+            <a:off x="1974635" y="1447800"/>
+            <a:ext cx="6420280" cy="4800600"/>
+          </a:xfrm>
+        </p:spPr>
+      </p:pic>
+    </p:spTree>
+    <p:extLst>
+      <p:ext uri="{BB962C8B-B14F-4D97-AF65-F5344CB8AC3E}">
+        <p14:creationId xmlns:p14="http://schemas.microsoft.com/office/powerpoint/2010/main" val="3032355236"/>
       </p:ext>
     </p:extLst>
   </p:cSld>
